--- a/Presentation/Projektidee Präsentation_Entwurf_01.pptx
+++ b/Presentation/Projektidee Präsentation_Entwurf_01.pptx
@@ -823,85 +823,6 @@
               <a:buFontTx/>
               <a:buChar char="-"/>
             </a:pPr>
-            <a:r>
-              <a:rPr lang="en-US" dirty="0" err="1"/>
-              <a:t>Profil</a:t>
-            </a:r>
-            <a:r>
-              <a:rPr lang="en-US" dirty="0"/>
-              <a:t> </a:t>
-            </a:r>
-            <a:r>
-              <a:rPr lang="en-US" dirty="0" err="1"/>
-              <a:t>erstellen</a:t>
-            </a:r>
-            <a:endParaRPr lang="en-US" dirty="0"/>
-          </a:p>
-          <a:p>
-            <a:pPr marL="342900" indent="-342900">
-              <a:buFontTx/>
-              <a:buChar char="-"/>
-            </a:pPr>
-            <a:r>
-              <a:rPr lang="en-US" dirty="0" err="1"/>
-              <a:t>Projekt</a:t>
-            </a:r>
-            <a:r>
-              <a:rPr lang="en-US" dirty="0"/>
-              <a:t> </a:t>
-            </a:r>
-            <a:r>
-              <a:rPr lang="en-US" dirty="0" err="1"/>
-              <a:t>ausschreiben</a:t>
-            </a:r>
-            <a:endParaRPr lang="en-US" dirty="0"/>
-          </a:p>
-          <a:p>
-            <a:pPr marL="0" indent="0">
-              <a:buFontTx/>
-              <a:buNone/>
-            </a:pPr>
-            <a:endParaRPr lang="en-US" dirty="0"/>
-          </a:p>
-          <a:p>
-            <a:pPr marL="0" indent="0">
-              <a:buFontTx/>
-              <a:buNone/>
-            </a:pPr>
-            <a:r>
-              <a:rPr lang="en-US" dirty="0" err="1"/>
-              <a:t>Einfach</a:t>
-            </a:r>
-            <a:r>
-              <a:rPr lang="en-US" dirty="0"/>
-              <a:t> </a:t>
-            </a:r>
-            <a:r>
-              <a:rPr lang="en-US" dirty="0" err="1"/>
-              <a:t>finden</a:t>
-            </a:r>
-            <a:r>
-              <a:rPr lang="en-US" dirty="0"/>
-              <a:t> </a:t>
-            </a:r>
-            <a:r>
-              <a:rPr lang="en-US" dirty="0" err="1"/>
-              <a:t>mit</a:t>
-            </a:r>
-            <a:r>
-              <a:rPr lang="en-US" dirty="0"/>
-              <a:t> matching</a:t>
-            </a:r>
-          </a:p>
-          <a:p>
-            <a:pPr marL="342900" indent="-342900">
-              <a:buFontTx/>
-              <a:buChar char="-"/>
-            </a:pPr>
-            <a:r>
-              <a:rPr lang="en-US" dirty="0" err="1"/>
-              <a:t>Loslegen</a:t>
-            </a:r>
             <a:endParaRPr lang="en-US" dirty="0"/>
           </a:p>
         </p:txBody>
@@ -987,22 +908,6 @@
           <a:bodyPr/>
           <a:lstStyle/>
           <a:p>
-            <a:r>
-              <a:rPr lang="de-CH" dirty="0"/>
-              <a:t>-Grosse Auswahl</a:t>
-            </a:r>
-          </a:p>
-          <a:p>
-            <a:r>
-              <a:rPr lang="de-CH" dirty="0"/>
-              <a:t>-Schnelle Vermittlung durch Angabe von Fähigkeiten</a:t>
-            </a:r>
-          </a:p>
-          <a:p>
-            <a:r>
-              <a:rPr lang="de-CH" dirty="0"/>
-              <a:t>-Preisgünstig weil Studenten und Schüler</a:t>
-            </a:r>
             <a:endParaRPr lang="de-DE" dirty="0"/>
           </a:p>
         </p:txBody>
@@ -1173,22 +1078,6 @@
           <a:bodyPr/>
           <a:lstStyle/>
           <a:p>
-            <a:r>
-              <a:rPr lang="de-CH" dirty="0"/>
-              <a:t>-Bewerten sich gegenseitig</a:t>
-            </a:r>
-          </a:p>
-          <a:p>
-            <a:r>
-              <a:rPr lang="de-CH" dirty="0"/>
-              <a:t>-Email mit Verifikationslink</a:t>
-            </a:r>
-          </a:p>
-          <a:p>
-            <a:r>
-              <a:rPr lang="de-CH" dirty="0"/>
-              <a:t>-Zahlungsabwicklung direkt auf der Plattform</a:t>
-            </a:r>
             <a:endParaRPr lang="de-DE" dirty="0"/>
           </a:p>
         </p:txBody>
@@ -6735,6 +6624,14 @@
               </a:rPr>
               <a:t>Jobsuchplattform</a:t>
             </a:r>
+            <a:r>
+              <a:rPr lang="en-US" sz="4000" dirty="0">
+                <a:latin typeface="Lato" panose="020F0502020204030203" pitchFamily="34" charset="0"/>
+                <a:ea typeface="Lato Light" charset="0"/>
+                <a:cs typeface="Lato Light" charset="0"/>
+              </a:rPr>
+              <a:t> MONEY GAME</a:t>
+            </a:r>
             <a:endParaRPr lang="en-US" sz="4000" b="1" dirty="0">
               <a:latin typeface="Lato" panose="020F0502020204030203" pitchFamily="34" charset="0"/>
               <a:ea typeface="Lato Light" charset="0"/>

--- a/Presentation/Projektidee Präsentation_Entwurf_01.pptx
+++ b/Presentation/Projektidee Präsentation_Entwurf_01.pptx
@@ -1976,7 +1976,7 @@
               </a:spcAft>
             </a:pPr>
             <a:r>
-              <a:rPr lang="en-US" sz="10700" kern="1200">
+              <a:rPr lang="en-US" sz="10700" dirty="0">
                 <a:solidFill>
                   <a:srgbClr val="FFFFFF"/>
                 </a:solidFill>
@@ -1984,8 +1984,16 @@
                 <a:ea typeface="+mj-ea"/>
                 <a:cs typeface="+mj-cs"/>
               </a:rPr>
-              <a:t>Präsentation </a:t>
+              <a:t>Presentation </a:t>
             </a:r>
+            <a:endParaRPr lang="en-US" sz="10700" kern="1200" dirty="0">
+              <a:solidFill>
+                <a:srgbClr val="FFFFFF"/>
+              </a:solidFill>
+              <a:latin typeface="+mj-lt"/>
+              <a:ea typeface="+mj-ea"/>
+              <a:cs typeface="+mj-cs"/>
+            </a:endParaRPr>
           </a:p>
         </p:txBody>
       </p:sp>
@@ -2017,7 +2025,7 @@
         </p:blipFill>
         <p:spPr>
           <a:xfrm>
-            <a:off x="10817584" y="10297888"/>
+            <a:off x="10817581" y="9912022"/>
             <a:ext cx="2742485" cy="985323"/>
           </a:xfrm>
           <a:prstGeom prst="rect">
@@ -2072,7 +2080,7 @@
         <p:spPr>
           <a:xfrm>
             <a:off x="5740316" y="9137567"/>
-            <a:ext cx="12960273" cy="1754326"/>
+            <a:ext cx="12960273" cy="4616648"/>
           </a:xfrm>
           <a:prstGeom prst="rect">
             <a:avLst/>
@@ -2092,136 +2100,65 @@
                 <a:ea typeface="Lato Light" charset="0"/>
                 <a:cs typeface="Lato Light" charset="0"/>
               </a:rPr>
-              <a:t>“Ab </a:t>
+              <a:t>“From now on, no one will search for a job.</a:t>
             </a:r>
-            <a:r>
-              <a:rPr lang="en-US" sz="5400" i="1" dirty="0" err="1">
-                <a:latin typeface="Lato Light" charset="0"/>
-                <a:ea typeface="Lato Light" charset="0"/>
-                <a:cs typeface="Lato Light" charset="0"/>
-              </a:rPr>
-              <a:t>heute</a:t>
-            </a:r>
+          </a:p>
+          <a:p>
+            <a:pPr algn="ctr"/>
             <a:r>
               <a:rPr lang="en-US" sz="5400" i="1" dirty="0">
                 <a:latin typeface="Lato Light" charset="0"/>
                 <a:ea typeface="Lato Light" charset="0"/>
                 <a:cs typeface="Lato Light" charset="0"/>
               </a:rPr>
-              <a:t> </a:t>
+              <a:t>– but find it”</a:t>
             </a:r>
+          </a:p>
+          <a:p>
+            <a:pPr algn="ctr"/>
+            <a:endParaRPr lang="en-US" sz="4400" i="1" dirty="0">
+              <a:latin typeface="Lato Light" charset="0"/>
+              <a:ea typeface="Lato Light" charset="0"/>
+              <a:cs typeface="Lato Light" charset="0"/>
+            </a:endParaRPr>
+          </a:p>
+          <a:p>
+            <a:pPr algn="ctr"/>
             <a:r>
-              <a:rPr lang="en-US" sz="5400" i="1" dirty="0" err="1">
+              <a:rPr lang="en-US" sz="4400" i="1" dirty="0">
                 <a:latin typeface="Lato Light" charset="0"/>
                 <a:ea typeface="Lato Light" charset="0"/>
                 <a:cs typeface="Lato Light" charset="0"/>
               </a:rPr>
-              <a:t>wird</a:t>
+              <a:t>“</a:t>
             </a:r>
             <a:r>
-              <a:rPr lang="en-US" sz="5400" i="1" dirty="0">
+              <a:rPr lang="de" sz="4400" i="1" dirty="0">
                 <a:latin typeface="Lato Light" charset="0"/>
                 <a:ea typeface="Lato Light" charset="0"/>
                 <a:cs typeface="Lato Light" charset="0"/>
               </a:rPr>
-              <a:t> </a:t>
+              <a:t>Ab heute wird niemand mehr einen Job suchen</a:t>
             </a:r>
+          </a:p>
+          <a:p>
+            <a:pPr algn="ctr"/>
             <a:r>
-              <a:rPr lang="en-US" sz="5400" i="1" dirty="0" err="1">
+              <a:rPr lang="de" sz="4400" i="1" dirty="0">
                 <a:latin typeface="Lato Light" charset="0"/>
                 <a:ea typeface="Lato Light" charset="0"/>
                 <a:cs typeface="Lato Light" charset="0"/>
               </a:rPr>
-              <a:t>niemand</a:t>
+              <a:t>– sondern Ihn finden”</a:t>
             </a:r>
-            <a:r>
-              <a:rPr lang="en-US" sz="5400" i="1" dirty="0">
-                <a:latin typeface="Lato Light" charset="0"/>
-                <a:ea typeface="Lato Light" charset="0"/>
-                <a:cs typeface="Lato Light" charset="0"/>
-              </a:rPr>
-              <a:t> </a:t>
-            </a:r>
-            <a:r>
-              <a:rPr lang="en-US" sz="5400" i="1" dirty="0" err="1">
-                <a:latin typeface="Lato Light" charset="0"/>
-                <a:ea typeface="Lato Light" charset="0"/>
-                <a:cs typeface="Lato Light" charset="0"/>
-              </a:rPr>
-              <a:t>mehr</a:t>
-            </a:r>
-            <a:r>
-              <a:rPr lang="en-US" sz="5400" i="1" dirty="0">
-                <a:latin typeface="Lato Light" charset="0"/>
-                <a:ea typeface="Lato Light" charset="0"/>
-                <a:cs typeface="Lato Light" charset="0"/>
-              </a:rPr>
-              <a:t> </a:t>
-            </a:r>
-            <a:r>
-              <a:rPr lang="en-US" sz="5400" i="1" dirty="0" err="1">
-                <a:latin typeface="Lato Light" charset="0"/>
-                <a:ea typeface="Lato Light" charset="0"/>
-                <a:cs typeface="Lato Light" charset="0"/>
-              </a:rPr>
-              <a:t>einen</a:t>
-            </a:r>
-            <a:r>
-              <a:rPr lang="en-US" sz="5400" i="1" dirty="0">
-                <a:latin typeface="Lato Light" charset="0"/>
-                <a:ea typeface="Lato Light" charset="0"/>
-                <a:cs typeface="Lato Light" charset="0"/>
-              </a:rPr>
-              <a:t> Job </a:t>
-            </a:r>
-            <a:r>
-              <a:rPr lang="en-US" sz="5400" i="1" dirty="0" err="1">
-                <a:latin typeface="Lato Light" charset="0"/>
-                <a:ea typeface="Lato Light" charset="0"/>
-                <a:cs typeface="Lato Light" charset="0"/>
-              </a:rPr>
-              <a:t>suchen</a:t>
-            </a:r>
+          </a:p>
+          <a:p>
+            <a:pPr algn="ctr"/>
             <a:endParaRPr lang="en-US" sz="5400" i="1" dirty="0">
               <a:latin typeface="Lato Light" charset="0"/>
               <a:ea typeface="Lato Light" charset="0"/>
               <a:cs typeface="Lato Light" charset="0"/>
             </a:endParaRPr>
-          </a:p>
-          <a:p>
-            <a:pPr algn="ctr"/>
-            <a:r>
-              <a:rPr lang="en-US" sz="5400" dirty="0"/>
-              <a:t>– </a:t>
-            </a:r>
-            <a:r>
-              <a:rPr lang="en-US" sz="5400" dirty="0" err="1"/>
-              <a:t>sondern</a:t>
-            </a:r>
-            <a:r>
-              <a:rPr lang="en-US" sz="5400" dirty="0"/>
-              <a:t> </a:t>
-            </a:r>
-            <a:r>
-              <a:rPr lang="en-US" sz="5400" dirty="0" err="1"/>
-              <a:t>Ihn</a:t>
-            </a:r>
-            <a:r>
-              <a:rPr lang="en-US" sz="5400" dirty="0"/>
-              <a:t> </a:t>
-            </a:r>
-            <a:r>
-              <a:rPr lang="en-US" sz="5400" dirty="0" err="1"/>
-              <a:t>finden</a:t>
-            </a:r>
-            <a:r>
-              <a:rPr lang="en-US" sz="5400" i="1" dirty="0">
-                <a:latin typeface="Lato Light" charset="0"/>
-                <a:ea typeface="Lato Light" charset="0"/>
-                <a:cs typeface="Lato Light" charset="0"/>
-              </a:rPr>
-              <a:t>”</a:t>
-            </a:r>
           </a:p>
         </p:txBody>
       </p:sp>
@@ -2276,8 +2213,8 @@
         </p:nvSpPr>
         <p:spPr>
           <a:xfrm>
-            <a:off x="8829203" y="7890669"/>
-            <a:ext cx="6782498" cy="646331"/>
+            <a:off x="7934359" y="7890669"/>
+            <a:ext cx="8508932" cy="646331"/>
           </a:xfrm>
           <a:prstGeom prst="rect">
             <a:avLst/>
@@ -2289,17 +2226,6 @@
           </a:bodyPr>
           <a:lstStyle/>
           <a:p>
-            <a:r>
-              <a:rPr lang="en-US" dirty="0" err="1">
-                <a:solidFill>
-                  <a:srgbClr val="0070C0"/>
-                </a:solidFill>
-                <a:latin typeface="Lato" charset="0"/>
-                <a:ea typeface="Lato" charset="0"/>
-                <a:cs typeface="Lato" charset="0"/>
-              </a:rPr>
-              <a:t>Informatik</a:t>
-            </a:r>
             <a:r>
               <a:rPr lang="en-US" dirty="0">
                 <a:solidFill>
@@ -2309,29 +2235,7 @@
                 <a:ea typeface="Lato" charset="0"/>
                 <a:cs typeface="Lato" charset="0"/>
               </a:rPr>
-              <a:t> </a:t>
-            </a:r>
-            <a:r>
-              <a:rPr lang="en-US" dirty="0" err="1">
-                <a:solidFill>
-                  <a:srgbClr val="0070C0"/>
-                </a:solidFill>
-                <a:latin typeface="Lato" charset="0"/>
-                <a:ea typeface="Lato" charset="0"/>
-                <a:cs typeface="Lato" charset="0"/>
-              </a:rPr>
-              <a:t>Studenten</a:t>
-            </a:r>
-            <a:r>
-              <a:rPr lang="en-US" dirty="0">
-                <a:solidFill>
-                  <a:srgbClr val="0070C0"/>
-                </a:solidFill>
-                <a:latin typeface="Lato" charset="0"/>
-                <a:ea typeface="Lato" charset="0"/>
-                <a:cs typeface="Lato" charset="0"/>
-              </a:rPr>
-              <a:t> der ZHAW</a:t>
+              <a:t>Computer Science Students at the ZHAW</a:t>
             </a:r>
             <a:endParaRPr lang="en-US" dirty="0"/>
           </a:p>
@@ -2826,9 +2730,9 @@
         <p:grpSpPr>
           <a:xfrm>
             <a:off x="4331601" y="8183302"/>
-            <a:ext cx="15670894" cy="3831175"/>
+            <a:ext cx="15670894" cy="3751153"/>
             <a:chOff x="4331601" y="6350252"/>
-            <a:chExt cx="15670894" cy="3831175"/>
+            <a:chExt cx="15670894" cy="3751153"/>
           </a:xfrm>
         </p:grpSpPr>
         <p:sp>
@@ -2885,7 +2789,7 @@
           <p:spPr>
             <a:xfrm>
               <a:off x="4331601" y="9227320"/>
-              <a:ext cx="15670894" cy="954107"/>
+              <a:ext cx="15670894" cy="874085"/>
             </a:xfrm>
             <a:prstGeom prst="rect">
               <a:avLst/>
@@ -2904,17 +2808,6 @@
                 </a:lnSpc>
               </a:pPr>
               <a:r>
-                <a:rPr lang="en-US" sz="4000" b="1" dirty="0" err="1">
-                  <a:solidFill>
-                    <a:schemeClr val="bg1"/>
-                  </a:solidFill>
-                  <a:latin typeface="Lato Regular" charset="0"/>
-                  <a:ea typeface="Lato Regular" charset="0"/>
-                  <a:cs typeface="Lato Regular" charset="0"/>
-                </a:rPr>
-                <a:t>Unsere</a:t>
-              </a:r>
-              <a:r>
                 <a:rPr lang="en-US" sz="4000" b="1" dirty="0">
                   <a:solidFill>
                     <a:schemeClr val="bg1"/>
@@ -2923,27 +2816,8 @@
                   <a:ea typeface="Lato Regular" charset="0"/>
                   <a:cs typeface="Lato Regular" charset="0"/>
                 </a:rPr>
-                <a:t> </a:t>
+                <a:t>Our project idea</a:t>
               </a:r>
-              <a:r>
-                <a:rPr lang="en-US" sz="4000" b="1" dirty="0" err="1">
-                  <a:solidFill>
-                    <a:schemeClr val="bg1"/>
-                  </a:solidFill>
-                  <a:latin typeface="Lato Regular" charset="0"/>
-                  <a:ea typeface="Lato Regular" charset="0"/>
-                  <a:cs typeface="Lato Regular" charset="0"/>
-                </a:rPr>
-                <a:t>Projektidee</a:t>
-              </a:r>
-              <a:endParaRPr lang="en-US" sz="4000" b="1" dirty="0">
-                <a:solidFill>
-                  <a:schemeClr val="bg1"/>
-                </a:solidFill>
-                <a:latin typeface="Lato Regular" charset="0"/>
-                <a:ea typeface="Lato Regular" charset="0"/>
-                <a:cs typeface="Lato Regular" charset="0"/>
-              </a:endParaRPr>
             </a:p>
           </p:txBody>
         </p:sp>
@@ -3328,8 +3202,8 @@
         </p:nvSpPr>
         <p:spPr>
           <a:xfrm>
-            <a:off x="2501399" y="8953124"/>
-            <a:ext cx="5209696" cy="769441"/>
+            <a:off x="2860280" y="8953124"/>
+            <a:ext cx="4491934" cy="769441"/>
           </a:xfrm>
           <a:prstGeom prst="rect">
             <a:avLst/>
@@ -3343,17 +3217,6 @@
           <a:lstStyle/>
           <a:p>
             <a:pPr algn="ctr"/>
-            <a:r>
-              <a:rPr lang="en-US" sz="4400" dirty="0" err="1">
-                <a:solidFill>
-                  <a:schemeClr val="tx2"/>
-                </a:solidFill>
-                <a:latin typeface="Lato" charset="0"/>
-                <a:ea typeface="Lato" charset="0"/>
-                <a:cs typeface="Lato" charset="0"/>
-              </a:rPr>
-              <a:t>Fragen</a:t>
-            </a:r>
             <a:r>
               <a:rPr lang="en-US" sz="4400" dirty="0">
                 <a:solidFill>
@@ -3363,27 +3226,8 @@
                 <a:ea typeface="Lato" charset="0"/>
                 <a:cs typeface="Lato" charset="0"/>
               </a:rPr>
-              <a:t> </a:t>
+              <a:t>answer questions</a:t>
             </a:r>
-            <a:r>
-              <a:rPr lang="en-US" sz="4400" dirty="0" err="1">
-                <a:solidFill>
-                  <a:schemeClr val="tx2"/>
-                </a:solidFill>
-                <a:latin typeface="Lato" charset="0"/>
-                <a:ea typeface="Lato" charset="0"/>
-                <a:cs typeface="Lato" charset="0"/>
-              </a:rPr>
-              <a:t>beantworten</a:t>
-            </a:r>
-            <a:endParaRPr lang="en-US" sz="4400" dirty="0">
-              <a:solidFill>
-                <a:schemeClr val="tx2"/>
-              </a:solidFill>
-              <a:latin typeface="Lato" charset="0"/>
-              <a:ea typeface="Lato" charset="0"/>
-              <a:cs typeface="Lato" charset="0"/>
-            </a:endParaRPr>
           </a:p>
         </p:txBody>
       </p:sp>
@@ -3415,16 +3259,16 @@
               </a:lnSpc>
             </a:pPr>
             <a:r>
-              <a:rPr lang="de-CH" sz="2399" dirty="0">
+              <a:rPr lang="en-US" sz="2399" dirty="0">
                 <a:latin typeface="Lato Regular" charset="0"/>
                 <a:ea typeface="Lato Regular" charset="0"/>
                 <a:cs typeface="Lato Regular" charset="0"/>
                 <a:sym typeface="Wingdings" panose="05000000000000000000" pitchFamily="2" charset="2"/>
               </a:rPr>
-              <a:t>Jobsuchende beantworten 10 bis 20 Fragen, zu ihrem Traumjob. </a:t>
+              <a:t>Jobseekers answer 10 to 20 questions about their dream job. </a:t>
             </a:r>
             <a:r>
-              <a:rPr lang="de-CH" sz="2399" dirty="0" err="1">
+              <a:rPr lang="en-US" sz="2399" dirty="0" err="1">
                 <a:latin typeface="Lato Regular" charset="0"/>
                 <a:ea typeface="Lato Regular" charset="0"/>
                 <a:cs typeface="Lato Regular" charset="0"/>
@@ -3433,14 +3277,20 @@
               <a:t>Jobinator</a:t>
             </a:r>
             <a:r>
-              <a:rPr lang="de-CH" sz="2399" dirty="0">
+              <a:rPr lang="en-US" sz="2399" dirty="0">
                 <a:latin typeface="Lato Regular" charset="0"/>
                 <a:ea typeface="Lato Regular" charset="0"/>
                 <a:cs typeface="Lato Regular" charset="0"/>
                 <a:sym typeface="Wingdings" panose="05000000000000000000" pitchFamily="2" charset="2"/>
               </a:rPr>
-              <a:t> wird diese anpassen.</a:t>
+              <a:t> will customize them.</a:t>
             </a:r>
+            <a:endParaRPr lang="de-CH" sz="2399" dirty="0">
+              <a:latin typeface="Lato Regular" charset="0"/>
+              <a:ea typeface="Lato Regular" charset="0"/>
+              <a:cs typeface="Lato Regular" charset="0"/>
+              <a:sym typeface="Wingdings" panose="05000000000000000000" pitchFamily="2" charset="2"/>
+            </a:endParaRPr>
           </a:p>
         </p:txBody>
       </p:sp>
@@ -3452,8 +3302,8 @@
         </p:nvSpPr>
         <p:spPr>
           <a:xfrm>
-            <a:off x="9507120" y="8953124"/>
-            <a:ext cx="5389617" cy="769441"/>
+            <a:off x="10032103" y="8953124"/>
+            <a:ext cx="4339650" cy="769441"/>
           </a:xfrm>
           <a:prstGeom prst="rect">
             <a:avLst/>
@@ -3467,17 +3317,6 @@
           <a:lstStyle/>
           <a:p>
             <a:pPr algn="ctr"/>
-            <a:r>
-              <a:rPr lang="en-US" sz="4400" dirty="0" err="1">
-                <a:solidFill>
-                  <a:schemeClr val="tx2"/>
-                </a:solidFill>
-                <a:latin typeface="Lato" charset="0"/>
-                <a:ea typeface="Lato" charset="0"/>
-                <a:cs typeface="Lato" charset="0"/>
-              </a:rPr>
-              <a:t>Bewerbung</a:t>
-            </a:r>
             <a:r>
               <a:rPr lang="en-US" sz="4400" dirty="0">
                 <a:solidFill>
@@ -3487,27 +3326,8 @@
                 <a:ea typeface="Lato" charset="0"/>
                 <a:cs typeface="Lato" charset="0"/>
               </a:rPr>
-              <a:t> </a:t>
+              <a:t>Fill in application</a:t>
             </a:r>
-            <a:r>
-              <a:rPr lang="en-US" sz="4400" dirty="0" err="1">
-                <a:solidFill>
-                  <a:schemeClr val="tx2"/>
-                </a:solidFill>
-                <a:latin typeface="Lato" charset="0"/>
-                <a:ea typeface="Lato" charset="0"/>
-                <a:cs typeface="Lato" charset="0"/>
-              </a:rPr>
-              <a:t>ausfüllen</a:t>
-            </a:r>
-            <a:endParaRPr lang="en-US" sz="4400" dirty="0">
-              <a:solidFill>
-                <a:schemeClr val="tx2"/>
-              </a:solidFill>
-              <a:latin typeface="Lato" charset="0"/>
-              <a:ea typeface="Lato" charset="0"/>
-              <a:cs typeface="Lato" charset="0"/>
-            </a:endParaRPr>
           </a:p>
         </p:txBody>
       </p:sp>
@@ -3544,7 +3364,7 @@
                 <a:ea typeface="Lato Regular" charset="0"/>
                 <a:cs typeface="Lato Regular" charset="0"/>
               </a:rPr>
-              <a:t>Da </a:t>
+              <a:t>Now that </a:t>
             </a:r>
             <a:r>
               <a:rPr lang="en-US" sz="2399" dirty="0" err="1">
@@ -3560,199 +3380,7 @@
                 <a:ea typeface="Lato Regular" charset="0"/>
                 <a:cs typeface="Lato Regular" charset="0"/>
               </a:rPr>
-              <a:t> </a:t>
-            </a:r>
-            <a:r>
-              <a:rPr lang="en-US" sz="2399" dirty="0" err="1">
-                <a:latin typeface="Lato Regular" charset="0"/>
-                <a:ea typeface="Lato Regular" charset="0"/>
-                <a:cs typeface="Lato Regular" charset="0"/>
-              </a:rPr>
-              <a:t>dir</a:t>
-            </a:r>
-            <a:r>
-              <a:rPr lang="en-US" sz="2399" dirty="0">
-                <a:latin typeface="Lato Regular" charset="0"/>
-                <a:ea typeface="Lato Regular" charset="0"/>
-                <a:cs typeface="Lato Regular" charset="0"/>
-              </a:rPr>
-              <a:t> </a:t>
-            </a:r>
-            <a:r>
-              <a:rPr lang="en-US" sz="2399" dirty="0" err="1">
-                <a:latin typeface="Lato Regular" charset="0"/>
-                <a:ea typeface="Lato Regular" charset="0"/>
-                <a:cs typeface="Lato Regular" charset="0"/>
-              </a:rPr>
-              <a:t>deinen</a:t>
-            </a:r>
-            <a:r>
-              <a:rPr lang="en-US" sz="2399" dirty="0">
-                <a:latin typeface="Lato Regular" charset="0"/>
-                <a:ea typeface="Lato Regular" charset="0"/>
-                <a:cs typeface="Lato Regular" charset="0"/>
-              </a:rPr>
-              <a:t> </a:t>
-            </a:r>
-            <a:r>
-              <a:rPr lang="en-US" sz="2399" dirty="0" err="1">
-                <a:latin typeface="Lato Regular" charset="0"/>
-                <a:ea typeface="Lato Regular" charset="0"/>
-                <a:cs typeface="Lato Regular" charset="0"/>
-              </a:rPr>
-              <a:t>Traumjob</a:t>
-            </a:r>
-            <a:r>
-              <a:rPr lang="en-US" sz="2399" dirty="0">
-                <a:latin typeface="Lato Regular" charset="0"/>
-                <a:ea typeface="Lato Regular" charset="0"/>
-                <a:cs typeface="Lato Regular" charset="0"/>
-              </a:rPr>
-              <a:t>  nun </a:t>
-            </a:r>
-            <a:r>
-              <a:rPr lang="en-US" sz="2399" dirty="0" err="1">
-                <a:latin typeface="Lato Regular" charset="0"/>
-                <a:ea typeface="Lato Regular" charset="0"/>
-                <a:cs typeface="Lato Regular" charset="0"/>
-              </a:rPr>
-              <a:t>anzeigt</a:t>
-            </a:r>
-            <a:r>
-              <a:rPr lang="en-US" sz="2399" dirty="0">
-                <a:latin typeface="Lato Regular" charset="0"/>
-                <a:ea typeface="Lato Regular" charset="0"/>
-                <a:cs typeface="Lato Regular" charset="0"/>
-              </a:rPr>
-              <a:t>, </a:t>
-            </a:r>
-            <a:r>
-              <a:rPr lang="en-US" sz="2399" dirty="0" err="1">
-                <a:latin typeface="Lato Regular" charset="0"/>
-                <a:ea typeface="Lato Regular" charset="0"/>
-                <a:cs typeface="Lato Regular" charset="0"/>
-              </a:rPr>
-              <a:t>kannst</a:t>
-            </a:r>
-            <a:r>
-              <a:rPr lang="en-US" sz="2399" dirty="0">
-                <a:latin typeface="Lato Regular" charset="0"/>
-                <a:ea typeface="Lato Regular" charset="0"/>
-                <a:cs typeface="Lato Regular" charset="0"/>
-              </a:rPr>
-              <a:t> du </a:t>
-            </a:r>
-            <a:r>
-              <a:rPr lang="en-US" sz="2399" dirty="0" err="1">
-                <a:latin typeface="Lato Regular" charset="0"/>
-                <a:ea typeface="Lato Regular" charset="0"/>
-                <a:cs typeface="Lato Regular" charset="0"/>
-              </a:rPr>
-              <a:t>ganz</a:t>
-            </a:r>
-            <a:r>
-              <a:rPr lang="en-US" sz="2399" dirty="0">
-                <a:latin typeface="Lato Regular" charset="0"/>
-                <a:ea typeface="Lato Regular" charset="0"/>
-                <a:cs typeface="Lato Regular" charset="0"/>
-              </a:rPr>
-              <a:t> </a:t>
-            </a:r>
-            <a:r>
-              <a:rPr lang="en-US" sz="2399" dirty="0" err="1">
-                <a:latin typeface="Lato Regular" charset="0"/>
-                <a:ea typeface="Lato Regular" charset="0"/>
-                <a:cs typeface="Lato Regular" charset="0"/>
-              </a:rPr>
-              <a:t>leicht</a:t>
-            </a:r>
-            <a:r>
-              <a:rPr lang="en-US" sz="2399" dirty="0">
-                <a:latin typeface="Lato Regular" charset="0"/>
-                <a:ea typeface="Lato Regular" charset="0"/>
-                <a:cs typeface="Lato Regular" charset="0"/>
-              </a:rPr>
-              <a:t> dich nun </a:t>
-            </a:r>
-            <a:r>
-              <a:rPr lang="en-US" sz="2399" dirty="0" err="1">
-                <a:latin typeface="Lato Regular" charset="0"/>
-                <a:ea typeface="Lato Regular" charset="0"/>
-                <a:cs typeface="Lato Regular" charset="0"/>
-              </a:rPr>
-              <a:t>bei</a:t>
-            </a:r>
-            <a:r>
-              <a:rPr lang="en-US" sz="2399" dirty="0">
-                <a:latin typeface="Lato Regular" charset="0"/>
-                <a:ea typeface="Lato Regular" charset="0"/>
-                <a:cs typeface="Lato Regular" charset="0"/>
-              </a:rPr>
-              <a:t> </a:t>
-            </a:r>
-            <a:r>
-              <a:rPr lang="en-US" sz="2399" dirty="0" err="1">
-                <a:latin typeface="Lato Regular" charset="0"/>
-                <a:ea typeface="Lato Regular" charset="0"/>
-                <a:cs typeface="Lato Regular" charset="0"/>
-              </a:rPr>
-              <a:t>deinem</a:t>
-            </a:r>
-            <a:r>
-              <a:rPr lang="en-US" sz="2399" dirty="0">
-                <a:latin typeface="Lato Regular" charset="0"/>
-                <a:ea typeface="Lato Regular" charset="0"/>
-                <a:cs typeface="Lato Regular" charset="0"/>
-              </a:rPr>
-              <a:t> </a:t>
-            </a:r>
-            <a:r>
-              <a:rPr lang="en-US" sz="2399" dirty="0" err="1">
-                <a:latin typeface="Lato Regular" charset="0"/>
-                <a:ea typeface="Lato Regular" charset="0"/>
-                <a:cs typeface="Lato Regular" charset="0"/>
-              </a:rPr>
-              <a:t>neuen</a:t>
-            </a:r>
-            <a:r>
-              <a:rPr lang="en-US" sz="2399" dirty="0">
-                <a:latin typeface="Lato Regular" charset="0"/>
-                <a:ea typeface="Lato Regular" charset="0"/>
-                <a:cs typeface="Lato Regular" charset="0"/>
-              </a:rPr>
-              <a:t> </a:t>
-            </a:r>
-            <a:r>
-              <a:rPr lang="en-US" sz="2399" dirty="0" err="1">
-                <a:latin typeface="Lato Regular" charset="0"/>
-                <a:ea typeface="Lato Regular" charset="0"/>
-                <a:cs typeface="Lato Regular" charset="0"/>
-              </a:rPr>
-              <a:t>Arbeitgeber</a:t>
-            </a:r>
-            <a:r>
-              <a:rPr lang="en-US" sz="2399" dirty="0">
-                <a:latin typeface="Lato Regular" charset="0"/>
-                <a:ea typeface="Lato Regular" charset="0"/>
-                <a:cs typeface="Lato Regular" charset="0"/>
-              </a:rPr>
-              <a:t> </a:t>
-            </a:r>
-            <a:r>
-              <a:rPr lang="en-US" sz="2399" dirty="0" err="1">
-                <a:latin typeface="Lato Regular" charset="0"/>
-                <a:ea typeface="Lato Regular" charset="0"/>
-                <a:cs typeface="Lato Regular" charset="0"/>
-              </a:rPr>
-              <a:t>bewerben</a:t>
-            </a:r>
-            <a:r>
-              <a:rPr lang="en-US" sz="2399" dirty="0">
-                <a:latin typeface="Lato Regular" charset="0"/>
-                <a:ea typeface="Lato Regular" charset="0"/>
-                <a:cs typeface="Lato Regular" charset="0"/>
-              </a:rPr>
-              <a:t>.</a:t>
+              <a:t> is showing you your dream job, you can easily apply to your new employer.</a:t>
             </a:r>
           </a:p>
         </p:txBody>
@@ -3765,8 +3393,8 @@
         </p:nvSpPr>
         <p:spPr>
           <a:xfrm>
-            <a:off x="18089909" y="8953124"/>
-            <a:ext cx="2361031" cy="769441"/>
+            <a:off x="17769853" y="8953124"/>
+            <a:ext cx="3001143" cy="769441"/>
           </a:xfrm>
           <a:prstGeom prst="rect">
             <a:avLst/>
@@ -3781,7 +3409,7 @@
           <a:p>
             <a:pPr algn="ctr"/>
             <a:r>
-              <a:rPr lang="en-US" sz="4400" dirty="0" err="1">
+              <a:rPr lang="en-US" sz="4400" dirty="0">
                 <a:solidFill>
                   <a:schemeClr val="tx2"/>
                 </a:solidFill>
@@ -3789,16 +3417,8 @@
                 <a:ea typeface="Lato" charset="0"/>
                 <a:cs typeface="Lato" charset="0"/>
               </a:rPr>
-              <a:t>Loslegen</a:t>
+              <a:t>Get started</a:t>
             </a:r>
-            <a:endParaRPr lang="en-US" sz="4400" dirty="0">
-              <a:solidFill>
-                <a:schemeClr val="tx2"/>
-              </a:solidFill>
-              <a:latin typeface="Lato" charset="0"/>
-              <a:ea typeface="Lato" charset="0"/>
-              <a:cs typeface="Lato" charset="0"/>
-            </a:endParaRPr>
           </a:p>
         </p:txBody>
       </p:sp>
@@ -3811,7 +3431,7 @@
         <p:spPr>
           <a:xfrm>
             <a:off x="17274209" y="9853187"/>
-            <a:ext cx="3705267" cy="2234651"/>
+            <a:ext cx="3705267" cy="1680845"/>
           </a:xfrm>
           <a:prstGeom prst="rect">
             <a:avLst/>
@@ -3830,116 +3450,12 @@
               </a:lnSpc>
             </a:pPr>
             <a:r>
-              <a:rPr lang="en-US" sz="2399" dirty="0" err="1">
-                <a:latin typeface="Lato Regular" charset="0"/>
-                <a:ea typeface="Lato Regular" charset="0"/>
-                <a:cs typeface="Lato Regular" charset="0"/>
-              </a:rPr>
-              <a:t>Starte</a:t>
-            </a:r>
-            <a:r>
               <a:rPr lang="en-US" sz="2399" dirty="0">
                 <a:latin typeface="Lato Regular" charset="0"/>
                 <a:ea typeface="Lato Regular" charset="0"/>
                 <a:cs typeface="Lato Regular" charset="0"/>
               </a:rPr>
-              <a:t> </a:t>
-            </a:r>
-            <a:r>
-              <a:rPr lang="en-US" sz="2399" dirty="0" err="1">
-                <a:latin typeface="Lato Regular" charset="0"/>
-                <a:ea typeface="Lato Regular" charset="0"/>
-                <a:cs typeface="Lato Regular" charset="0"/>
-              </a:rPr>
-              <a:t>neu</a:t>
-            </a:r>
-            <a:r>
-              <a:rPr lang="en-US" sz="2399" dirty="0">
-                <a:latin typeface="Lato Regular" charset="0"/>
-                <a:ea typeface="Lato Regular" charset="0"/>
-                <a:cs typeface="Lato Regular" charset="0"/>
-              </a:rPr>
-              <a:t> </a:t>
-            </a:r>
-            <a:r>
-              <a:rPr lang="en-US" sz="2399" dirty="0" err="1">
-                <a:latin typeface="Lato Regular" charset="0"/>
-                <a:ea typeface="Lato Regular" charset="0"/>
-                <a:cs typeface="Lato Regular" charset="0"/>
-              </a:rPr>
-              <a:t>durch</a:t>
-            </a:r>
-            <a:r>
-              <a:rPr lang="en-US" sz="2399" dirty="0">
-                <a:latin typeface="Lato Regular" charset="0"/>
-                <a:ea typeface="Lato Regular" charset="0"/>
-                <a:cs typeface="Lato Regular" charset="0"/>
-              </a:rPr>
-              <a:t> an </a:t>
-            </a:r>
-            <a:r>
-              <a:rPr lang="en-US" sz="2399" dirty="0" err="1">
-                <a:latin typeface="Lato Regular" charset="0"/>
-                <a:ea typeface="Lato Regular" charset="0"/>
-                <a:cs typeface="Lato Regular" charset="0"/>
-              </a:rPr>
-              <a:t>deinem</a:t>
-            </a:r>
-            <a:r>
-              <a:rPr lang="en-US" sz="2399" dirty="0">
-                <a:latin typeface="Lato Regular" charset="0"/>
-                <a:ea typeface="Lato Regular" charset="0"/>
-                <a:cs typeface="Lato Regular" charset="0"/>
-              </a:rPr>
-              <a:t> </a:t>
-            </a:r>
-            <a:r>
-              <a:rPr lang="en-US" sz="2399" dirty="0" err="1">
-                <a:latin typeface="Lato Regular" charset="0"/>
-                <a:ea typeface="Lato Regular" charset="0"/>
-                <a:cs typeface="Lato Regular" charset="0"/>
-              </a:rPr>
-              <a:t>neuen</a:t>
-            </a:r>
-            <a:r>
-              <a:rPr lang="en-US" sz="2399" dirty="0">
-                <a:latin typeface="Lato Regular" charset="0"/>
-                <a:ea typeface="Lato Regular" charset="0"/>
-                <a:cs typeface="Lato Regular" charset="0"/>
-              </a:rPr>
-              <a:t> </a:t>
-            </a:r>
-            <a:r>
-              <a:rPr lang="en-US" sz="2399" dirty="0" err="1">
-                <a:latin typeface="Lato Regular" charset="0"/>
-                <a:ea typeface="Lato Regular" charset="0"/>
-                <a:cs typeface="Lato Regular" charset="0"/>
-              </a:rPr>
-              <a:t>Arbeitsort</a:t>
-            </a:r>
-            <a:r>
-              <a:rPr lang="en-US" sz="2399" dirty="0">
-                <a:latin typeface="Lato Regular" charset="0"/>
-                <a:ea typeface="Lato Regular" charset="0"/>
-                <a:cs typeface="Lato Regular" charset="0"/>
-              </a:rPr>
-              <a:t> und </a:t>
-            </a:r>
-            <a:r>
-              <a:rPr lang="en-US" sz="2399" dirty="0" err="1">
-                <a:latin typeface="Lato Regular" charset="0"/>
-                <a:ea typeface="Lato Regular" charset="0"/>
-                <a:cs typeface="Lato Regular" charset="0"/>
-              </a:rPr>
-              <a:t>empfehle</a:t>
-            </a:r>
-            <a:r>
-              <a:rPr lang="en-US" sz="2399" dirty="0">
-                <a:latin typeface="Lato Regular" charset="0"/>
-                <a:ea typeface="Lato Regular" charset="0"/>
-                <a:cs typeface="Lato Regular" charset="0"/>
-              </a:rPr>
-              <a:t> </a:t>
+              <a:t>Restart at your new place of work and recommend </a:t>
             </a:r>
             <a:r>
               <a:rPr lang="en-US" sz="2399" dirty="0" err="1">
@@ -3955,23 +3471,7 @@
                 <a:ea typeface="Lato Regular" charset="0"/>
                 <a:cs typeface="Lato Regular" charset="0"/>
               </a:rPr>
-              <a:t> </a:t>
-            </a:r>
-            <a:r>
-              <a:rPr lang="en-US" sz="2399" dirty="0" err="1">
-                <a:latin typeface="Lato Regular" charset="0"/>
-                <a:ea typeface="Lato Regular" charset="0"/>
-                <a:cs typeface="Lato Regular" charset="0"/>
-              </a:rPr>
-              <a:t>weiter</a:t>
-            </a:r>
-            <a:r>
-              <a:rPr lang="en-US" sz="2399" dirty="0">
-                <a:latin typeface="Lato Regular" charset="0"/>
-                <a:ea typeface="Lato Regular" charset="0"/>
-                <a:cs typeface="Lato Regular" charset="0"/>
-              </a:rPr>
-              <a:t>.</a:t>
+              <a:t> to others.</a:t>
             </a:r>
           </a:p>
         </p:txBody>
@@ -4010,29 +3510,7 @@
                 <a:ea typeface="Lato" charset="0"/>
                 <a:cs typeface="Lato" charset="0"/>
               </a:rPr>
-              <a:t>Was </a:t>
-            </a:r>
-            <a:r>
-              <a:rPr lang="en-US" sz="6000" dirty="0" err="1">
-                <a:solidFill>
-                  <a:schemeClr val="tx2"/>
-                </a:solidFill>
-                <a:latin typeface="Lato" charset="0"/>
-                <a:ea typeface="Lato" charset="0"/>
-                <a:cs typeface="Lato" charset="0"/>
-              </a:rPr>
-              <a:t>ist</a:t>
-            </a:r>
-            <a:r>
-              <a:rPr lang="en-US" sz="6000" dirty="0">
-                <a:solidFill>
-                  <a:schemeClr val="tx2"/>
-                </a:solidFill>
-                <a:latin typeface="Lato" charset="0"/>
-                <a:ea typeface="Lato" charset="0"/>
-                <a:cs typeface="Lato" charset="0"/>
-              </a:rPr>
-              <a:t> </a:t>
+              <a:t>What is </a:t>
             </a:r>
             <a:r>
               <a:rPr lang="en-US" sz="6000" dirty="0" err="1">
@@ -4099,28 +3577,6 @@
                 <a:ea typeface="Lato" charset="0"/>
                 <a:cs typeface="Lato" charset="0"/>
               </a:rPr>
-              <a:t>Mit</a:t>
-            </a:r>
-            <a:r>
-              <a:rPr lang="en-US" sz="5000" b="1" dirty="0">
-                <a:solidFill>
-                  <a:schemeClr val="tx2"/>
-                </a:solidFill>
-                <a:latin typeface="Lato" charset="0"/>
-                <a:ea typeface="Lato" charset="0"/>
-                <a:cs typeface="Lato" charset="0"/>
-              </a:rPr>
-              <a:t> </a:t>
-            </a:r>
-            <a:r>
-              <a:rPr lang="en-US" sz="5000" b="1" dirty="0" err="1">
-                <a:solidFill>
-                  <a:schemeClr val="tx2"/>
-                </a:solidFill>
-                <a:latin typeface="Lato" charset="0"/>
-                <a:ea typeface="Lato" charset="0"/>
-                <a:cs typeface="Lato" charset="0"/>
-              </a:rPr>
               <a:t>Jobinator</a:t>
             </a:r>
             <a:r>
@@ -4132,95 +3588,7 @@
                 <a:ea typeface="Lato" charset="0"/>
                 <a:cs typeface="Lato" charset="0"/>
               </a:rPr>
-              <a:t> </a:t>
-            </a:r>
-            <a:r>
-              <a:rPr lang="en-US" sz="5000" b="1" dirty="0" err="1">
-                <a:solidFill>
-                  <a:schemeClr val="tx2"/>
-                </a:solidFill>
-                <a:latin typeface="Lato" charset="0"/>
-                <a:ea typeface="Lato" charset="0"/>
-                <a:cs typeface="Lato" charset="0"/>
-              </a:rPr>
-              <a:t>findest</a:t>
-            </a:r>
-            <a:r>
-              <a:rPr lang="en-US" sz="5000" b="1" dirty="0">
-                <a:solidFill>
-                  <a:schemeClr val="tx2"/>
-                </a:solidFill>
-                <a:latin typeface="Lato" charset="0"/>
-                <a:ea typeface="Lato" charset="0"/>
-                <a:cs typeface="Lato" charset="0"/>
-              </a:rPr>
-              <a:t> du </a:t>
-            </a:r>
-            <a:r>
-              <a:rPr lang="en-US" sz="5000" b="1" dirty="0" err="1">
-                <a:solidFill>
-                  <a:schemeClr val="tx2"/>
-                </a:solidFill>
-                <a:latin typeface="Lato" charset="0"/>
-                <a:ea typeface="Lato" charset="0"/>
-                <a:cs typeface="Lato" charset="0"/>
-              </a:rPr>
-              <a:t>ganz</a:t>
-            </a:r>
-            <a:r>
-              <a:rPr lang="en-US" sz="5000" b="1" dirty="0">
-                <a:solidFill>
-                  <a:schemeClr val="tx2"/>
-                </a:solidFill>
-                <a:latin typeface="Lato" charset="0"/>
-                <a:ea typeface="Lato" charset="0"/>
-                <a:cs typeface="Lato" charset="0"/>
-              </a:rPr>
-              <a:t> </a:t>
-            </a:r>
-            <a:r>
-              <a:rPr lang="en-US" sz="5000" b="1" dirty="0" err="1">
-                <a:solidFill>
-                  <a:schemeClr val="tx2"/>
-                </a:solidFill>
-                <a:latin typeface="Lato" charset="0"/>
-                <a:ea typeface="Lato" charset="0"/>
-                <a:cs typeface="Lato" charset="0"/>
-              </a:rPr>
-              <a:t>leicht</a:t>
-            </a:r>
-            <a:r>
-              <a:rPr lang="en-US" sz="5000" b="1" dirty="0">
-                <a:solidFill>
-                  <a:schemeClr val="tx2"/>
-                </a:solidFill>
-                <a:latin typeface="Lato" charset="0"/>
-                <a:ea typeface="Lato" charset="0"/>
-                <a:cs typeface="Lato" charset="0"/>
-              </a:rPr>
-              <a:t> </a:t>
-            </a:r>
-            <a:r>
-              <a:rPr lang="en-US" sz="5000" b="1" dirty="0" err="1">
-                <a:solidFill>
-                  <a:schemeClr val="tx2"/>
-                </a:solidFill>
-                <a:latin typeface="Lato" charset="0"/>
-                <a:ea typeface="Lato" charset="0"/>
-                <a:cs typeface="Lato" charset="0"/>
-              </a:rPr>
-              <a:t>deinen</a:t>
-            </a:r>
-            <a:r>
-              <a:rPr lang="en-US" sz="5000" b="1" dirty="0">
-                <a:solidFill>
-                  <a:schemeClr val="tx2"/>
-                </a:solidFill>
-                <a:latin typeface="Lato" charset="0"/>
-                <a:ea typeface="Lato" charset="0"/>
-                <a:cs typeface="Lato" charset="0"/>
-              </a:rPr>
-              <a:t> Job </a:t>
+              <a:t> makes it easy to find your job </a:t>
             </a:r>
           </a:p>
         </p:txBody>
@@ -5206,17 +4574,6 @@
               <a:defRPr/>
             </a:pPr>
             <a:r>
-              <a:rPr lang="en-US" sz="6000" dirty="0" err="1">
-                <a:solidFill>
-                  <a:schemeClr val="tx2"/>
-                </a:solidFill>
-                <a:latin typeface="Lato" charset="0"/>
-                <a:ea typeface="Lato" charset="0"/>
-                <a:cs typeface="Lato" charset="0"/>
-              </a:rPr>
-              <a:t>Warum</a:t>
-            </a:r>
-            <a:r>
               <a:rPr lang="en-US" sz="6000" dirty="0">
                 <a:solidFill>
                   <a:schemeClr val="tx2"/>
@@ -5225,7 +4582,7 @@
                 <a:ea typeface="Lato" charset="0"/>
                 <a:cs typeface="Lato" charset="0"/>
               </a:rPr>
-              <a:t> </a:t>
+              <a:t>Why </a:t>
             </a:r>
             <a:r>
               <a:rPr lang="en-US" sz="6000" dirty="0" err="1">
@@ -5454,37 +4811,8 @@
                 <a:ea typeface="Lato Light" charset="0"/>
                 <a:cs typeface="Lato Light" charset="0"/>
               </a:rPr>
-              <a:t>Die </a:t>
+              <a:t>The best reasons</a:t>
             </a:r>
-            <a:r>
-              <a:rPr lang="en-US" sz="4000" dirty="0" err="1">
-                <a:latin typeface="Lato Light" charset="0"/>
-                <a:ea typeface="Lato Light" charset="0"/>
-                <a:cs typeface="Lato Light" charset="0"/>
-              </a:rPr>
-              <a:t>besten</a:t>
-            </a:r>
-            <a:r>
-              <a:rPr lang="en-US" sz="4000" dirty="0">
-                <a:latin typeface="Lato Light" charset="0"/>
-                <a:ea typeface="Lato Light" charset="0"/>
-                <a:cs typeface="Lato Light" charset="0"/>
-              </a:rPr>
-              <a:t> </a:t>
-            </a:r>
-            <a:r>
-              <a:rPr lang="en-US" sz="4000" dirty="0" err="1">
-                <a:latin typeface="Lato Light" charset="0"/>
-                <a:ea typeface="Lato Light" charset="0"/>
-                <a:cs typeface="Lato Light" charset="0"/>
-              </a:rPr>
-              <a:t>Gründe</a:t>
-            </a:r>
-            <a:endParaRPr lang="en-US" sz="4000" dirty="0">
-              <a:latin typeface="Lato Light" charset="0"/>
-              <a:ea typeface="Lato Light" charset="0"/>
-              <a:cs typeface="Lato Light" charset="0"/>
-            </a:endParaRPr>
           </a:p>
         </p:txBody>
       </p:sp>
@@ -5497,7 +4825,7 @@
         <p:spPr>
           <a:xfrm>
             <a:off x="2794341" y="9965253"/>
-            <a:ext cx="6566590" cy="1169509"/>
+            <a:ext cx="6566590" cy="707844"/>
           </a:xfrm>
           <a:prstGeom prst="rect">
             <a:avLst/>
@@ -5524,49 +4852,8 @@
                 <a:ea typeface="Lato" charset="0"/>
                 <a:cs typeface="Lato" charset="0"/>
               </a:rPr>
-              <a:t>Grosse </a:t>
+              <a:t>Large selection of employers</a:t>
             </a:r>
-            <a:r>
-              <a:rPr lang="en-US" dirty="0" err="1">
-                <a:solidFill>
-                  <a:schemeClr val="tx2"/>
-                </a:solidFill>
-                <a:latin typeface="Lato" charset="0"/>
-                <a:ea typeface="Lato" charset="0"/>
-                <a:cs typeface="Lato" charset="0"/>
-              </a:rPr>
-              <a:t>Auswahl</a:t>
-            </a:r>
-            <a:r>
-              <a:rPr lang="en-US" dirty="0">
-                <a:solidFill>
-                  <a:schemeClr val="tx2"/>
-                </a:solidFill>
-                <a:latin typeface="Lato" charset="0"/>
-                <a:ea typeface="Lato" charset="0"/>
-                <a:cs typeface="Lato" charset="0"/>
-              </a:rPr>
-              <a:t> an </a:t>
-            </a:r>
-            <a:r>
-              <a:rPr lang="en-US" dirty="0" err="1">
-                <a:solidFill>
-                  <a:schemeClr val="tx2"/>
-                </a:solidFill>
-                <a:latin typeface="Lato" charset="0"/>
-                <a:ea typeface="Lato" charset="0"/>
-                <a:cs typeface="Lato" charset="0"/>
-              </a:rPr>
-              <a:t>Arbeitgeber</a:t>
-            </a:r>
-            <a:endParaRPr lang="en-US" dirty="0">
-              <a:solidFill>
-                <a:schemeClr val="tx2"/>
-              </a:solidFill>
-              <a:latin typeface="Lato" charset="0"/>
-              <a:ea typeface="Lato" charset="0"/>
-              <a:cs typeface="Lato" charset="0"/>
-            </a:endParaRPr>
           </a:p>
         </p:txBody>
       </p:sp>
@@ -5606,27 +4893,8 @@
                 <a:ea typeface="Lato" charset="0"/>
                 <a:cs typeface="Lato" charset="0"/>
               </a:rPr>
-              <a:t>Schnell und </a:t>
+              <a:t>Fast and uncomplicated</a:t>
             </a:r>
-            <a:r>
-              <a:rPr lang="en-US" dirty="0" err="1">
-                <a:solidFill>
-                  <a:schemeClr val="tx2"/>
-                </a:solidFill>
-                <a:latin typeface="Lato" charset="0"/>
-                <a:ea typeface="Lato" charset="0"/>
-                <a:cs typeface="Lato" charset="0"/>
-              </a:rPr>
-              <a:t>unkompliziert</a:t>
-            </a:r>
-            <a:endParaRPr lang="en-US" dirty="0">
-              <a:solidFill>
-                <a:schemeClr val="tx2"/>
-              </a:solidFill>
-              <a:latin typeface="Lato" charset="0"/>
-              <a:ea typeface="Lato" charset="0"/>
-              <a:cs typeface="Lato" charset="0"/>
-            </a:endParaRPr>
           </a:p>
         </p:txBody>
       </p:sp>
@@ -5666,7 +4934,7 @@
                 <a:ea typeface="Lato" charset="0"/>
                 <a:cs typeface="Lato" charset="0"/>
               </a:rPr>
-              <a:t>100% gratis</a:t>
+              <a:t>100% free</a:t>
             </a:r>
           </a:p>
         </p:txBody>
@@ -6175,40 +5443,15 @@
                 <a:ea typeface="Lato" charset="0"/>
                 <a:cs typeface="Lato" charset="0"/>
               </a:rPr>
-              <a:t>Lassen Sie </a:t>
+              <a:t>Be enchanted by</a:t>
             </a:r>
-            <a:r>
-              <a:rPr lang="en-US" sz="6000" dirty="0" err="1">
-                <a:latin typeface="Lato" charset="0"/>
-                <a:ea typeface="Lato" charset="0"/>
-                <a:cs typeface="Lato" charset="0"/>
-              </a:rPr>
-              <a:t>sich</a:t>
-            </a:r>
-            <a:r>
+            <a:br>
               <a:rPr lang="en-US" sz="6000" dirty="0">
                 <a:latin typeface="Lato" charset="0"/>
                 <a:ea typeface="Lato" charset="0"/>
                 <a:cs typeface="Lato" charset="0"/>
               </a:rPr>
-              <a:t> </a:t>
-            </a:r>
-            <a:r>
-              <a:rPr lang="en-US" sz="6000" dirty="0" err="1">
-                <a:latin typeface="Lato" charset="0"/>
-                <a:ea typeface="Lato" charset="0"/>
-                <a:cs typeface="Lato" charset="0"/>
-              </a:rPr>
-              <a:t>verzaubern</a:t>
-            </a:r>
-            <a:r>
-              <a:rPr lang="en-US" sz="6000" dirty="0">
-                <a:latin typeface="Lato" charset="0"/>
-                <a:ea typeface="Lato" charset="0"/>
-                <a:cs typeface="Lato" charset="0"/>
-              </a:rPr>
-              <a:t> von </a:t>
-            </a:r>
+            </a:br>
             <a:r>
               <a:rPr lang="en-US" sz="7000" b="1" dirty="0" err="1">
                 <a:solidFill>
@@ -6269,7 +5512,7 @@
         </p:nvSpPr>
         <p:spPr>
           <a:xfrm>
-            <a:off x="3036670" y="5357760"/>
+            <a:off x="4345513" y="5088441"/>
             <a:ext cx="1055932" cy="1056344"/>
           </a:xfrm>
           <a:prstGeom prst="ellipse">
@@ -6320,7 +5563,7 @@
         </p:nvSpPr>
         <p:spPr>
           <a:xfrm>
-            <a:off x="3036670" y="6930055"/>
+            <a:off x="4345513" y="6660736"/>
             <a:ext cx="1055932" cy="1056344"/>
           </a:xfrm>
           <a:prstGeom prst="ellipse">
@@ -6371,7 +5614,7 @@
         </p:nvSpPr>
         <p:spPr>
           <a:xfrm>
-            <a:off x="3036670" y="8502350"/>
+            <a:off x="4345513" y="8233031"/>
             <a:ext cx="1055932" cy="1056344"/>
           </a:xfrm>
           <a:prstGeom prst="ellipse">
@@ -6422,7 +5665,7 @@
         </p:nvSpPr>
         <p:spPr>
           <a:xfrm>
-            <a:off x="4261852" y="5531269"/>
+            <a:off x="5570695" y="5261950"/>
             <a:ext cx="15616873" cy="707886"/>
           </a:xfrm>
           <a:prstGeom prst="rect">
@@ -6436,54 +5679,6 @@
           </a:bodyPr>
           <a:lstStyle/>
           <a:p>
-            <a:r>
-              <a:rPr lang="en-US" sz="4000" strike="sngStrike" dirty="0" err="1">
-                <a:latin typeface="Lato" panose="020F0502020204030203" pitchFamily="34" charset="0"/>
-                <a:ea typeface="Lato Light" charset="0"/>
-                <a:cs typeface="Lato Light" charset="0"/>
-              </a:rPr>
-              <a:t>Errweiterung</a:t>
-            </a:r>
-            <a:r>
-              <a:rPr lang="en-US" sz="4000" strike="sngStrike" dirty="0">
-                <a:latin typeface="Lato" panose="020F0502020204030203" pitchFamily="34" charset="0"/>
-                <a:ea typeface="Lato Light" charset="0"/>
-                <a:cs typeface="Lato Light" charset="0"/>
-              </a:rPr>
-              <a:t> auf </a:t>
-            </a:r>
-            <a:r>
-              <a:rPr lang="en-US" sz="4000" strike="sngStrike" dirty="0" err="1">
-                <a:latin typeface="Lato" panose="020F0502020204030203" pitchFamily="34" charset="0"/>
-                <a:ea typeface="Lato Light" charset="0"/>
-                <a:cs typeface="Lato Light" charset="0"/>
-              </a:rPr>
-              <a:t>mehrere</a:t>
-            </a:r>
-            <a:r>
-              <a:rPr lang="en-US" sz="4000" strike="sngStrike" dirty="0">
-                <a:latin typeface="Lato" panose="020F0502020204030203" pitchFamily="34" charset="0"/>
-                <a:ea typeface="Lato Light" charset="0"/>
-                <a:cs typeface="Lato Light" charset="0"/>
-              </a:rPr>
-              <a:t> </a:t>
-            </a:r>
-            <a:r>
-              <a:rPr lang="en-US" sz="4000" strike="sngStrike" dirty="0" err="1">
-                <a:latin typeface="Lato" panose="020F0502020204030203" pitchFamily="34" charset="0"/>
-                <a:ea typeface="Lato Light" charset="0"/>
-                <a:cs typeface="Lato Light" charset="0"/>
-              </a:rPr>
-              <a:t>Sprachen</a:t>
-            </a:r>
-            <a:r>
-              <a:rPr lang="en-US" sz="4000" strike="sngStrike" dirty="0">
-                <a:latin typeface="Lato" panose="020F0502020204030203" pitchFamily="34" charset="0"/>
-                <a:ea typeface="Lato Light" charset="0"/>
-                <a:cs typeface="Lato Light" charset="0"/>
-              </a:rPr>
-              <a:t> </a:t>
-            </a:r>
             <a:r>
               <a:rPr lang="en-US" sz="4000" dirty="0">
                 <a:latin typeface="Lato" panose="020F0502020204030203" pitchFamily="34" charset="0"/>
@@ -6508,61 +5703,7 @@
         </p:nvSpPr>
         <p:spPr>
           <a:xfrm>
-            <a:off x="4261851" y="7096839"/>
-            <a:ext cx="15616873" cy="707886"/>
-          </a:xfrm>
-          <a:prstGeom prst="rect">
-            <a:avLst/>
-          </a:prstGeom>
-          <a:noFill/>
-        </p:spPr>
-        <p:txBody>
-          <a:bodyPr wrap="square" rtlCol="0">
-            <a:spAutoFit/>
-          </a:bodyPr>
-          <a:lstStyle/>
-          <a:p>
-            <a:r>
-              <a:rPr lang="en-US" sz="4000" dirty="0" err="1">
-                <a:latin typeface="Lato" panose="020F0502020204030203" pitchFamily="34" charset="0"/>
-                <a:ea typeface="Lato Light" charset="0"/>
-                <a:cs typeface="Lato Light" charset="0"/>
-              </a:rPr>
-              <a:t>Internationale</a:t>
-            </a:r>
-            <a:r>
-              <a:rPr lang="en-US" sz="4000" dirty="0">
-                <a:latin typeface="Lato" panose="020F0502020204030203" pitchFamily="34" charset="0"/>
-                <a:ea typeface="Lato Light" charset="0"/>
-                <a:cs typeface="Lato Light" charset="0"/>
-              </a:rPr>
-              <a:t> </a:t>
-            </a:r>
-            <a:r>
-              <a:rPr lang="en-US" sz="4000" dirty="0" err="1">
-                <a:latin typeface="Lato" panose="020F0502020204030203" pitchFamily="34" charset="0"/>
-                <a:ea typeface="Lato Light" charset="0"/>
-                <a:cs typeface="Lato Light" charset="0"/>
-              </a:rPr>
-              <a:t>benutzung</a:t>
-            </a:r>
-            <a:endParaRPr lang="en-US" sz="4000" dirty="0">
-              <a:latin typeface="Lato" panose="020F0502020204030203" pitchFamily="34" charset="0"/>
-              <a:ea typeface="Lato Light" charset="0"/>
-              <a:cs typeface="Lato Light" charset="0"/>
-            </a:endParaRPr>
-          </a:p>
-        </p:txBody>
-      </p:sp>
-      <p:sp>
-        <p:nvSpPr>
-          <p:cNvPr id="700" name="TextBox 699"/>
-          <p:cNvSpPr txBox="1"/>
-          <p:nvPr/>
-        </p:nvSpPr>
-        <p:spPr>
-          <a:xfrm>
-            <a:off x="4345513" y="8676579"/>
+            <a:off x="5570694" y="6827520"/>
             <a:ext cx="15616873" cy="707886"/>
           </a:xfrm>
           <a:prstGeom prst="rect">
@@ -6593,12 +5734,12 @@
               <a:t> </a:t>
             </a:r>
             <a:r>
-              <a:rPr lang="en-US" sz="4000" dirty="0" err="1">
+              <a:rPr lang="en-US" sz="4000" b="1" dirty="0">
                 <a:latin typeface="Lato" panose="020F0502020204030203" pitchFamily="34" charset="0"/>
                 <a:ea typeface="Lato Light" charset="0"/>
                 <a:cs typeface="Lato Light" charset="0"/>
               </a:rPr>
-              <a:t>als</a:t>
+              <a:t>as the </a:t>
             </a:r>
             <a:r>
               <a:rPr lang="en-US" sz="4000" dirty="0">
@@ -6606,31 +5747,40 @@
                 <a:ea typeface="Lato Light" charset="0"/>
                 <a:cs typeface="Lato Light" charset="0"/>
               </a:rPr>
-              <a:t> </a:t>
+              <a:t>job search platform</a:t>
             </a:r>
-            <a:r>
-              <a:rPr lang="en-US" sz="4000" b="1" dirty="0">
-                <a:latin typeface="Lato" panose="020F0502020204030203" pitchFamily="34" charset="0"/>
-                <a:ea typeface="Lato Light" charset="0"/>
-                <a:cs typeface="Lato Light" charset="0"/>
-              </a:rPr>
-              <a:t>die </a:t>
-            </a:r>
+          </a:p>
+        </p:txBody>
+      </p:sp>
+      <p:sp>
+        <p:nvSpPr>
+          <p:cNvPr id="700" name="TextBox 699"/>
+          <p:cNvSpPr txBox="1"/>
+          <p:nvPr/>
+        </p:nvSpPr>
+        <p:spPr>
+          <a:xfrm>
+            <a:off x="5654356" y="8407260"/>
+            <a:ext cx="15616873" cy="707886"/>
+          </a:xfrm>
+          <a:prstGeom prst="rect">
+            <a:avLst/>
+          </a:prstGeom>
+          <a:noFill/>
+        </p:spPr>
+        <p:txBody>
+          <a:bodyPr wrap="square" rtlCol="0">
+            <a:spAutoFit/>
+          </a:bodyPr>
+          <a:lstStyle/>
+          <a:p>
             <a:r>
               <a:rPr lang="en-US" sz="4000" dirty="0" err="1">
                 <a:latin typeface="Lato" panose="020F0502020204030203" pitchFamily="34" charset="0"/>
                 <a:ea typeface="Lato Light" charset="0"/>
                 <a:cs typeface="Lato Light" charset="0"/>
               </a:rPr>
-              <a:t>Jobsuchplattform</a:t>
-            </a:r>
-            <a:r>
-              <a:rPr lang="en-US" sz="4000" dirty="0">
-                <a:latin typeface="Lato" panose="020F0502020204030203" pitchFamily="34" charset="0"/>
-                <a:ea typeface="Lato Light" charset="0"/>
-                <a:cs typeface="Lato Light" charset="0"/>
-              </a:rPr>
-              <a:t> MONEY GAME</a:t>
+              <a:t>Monitarization</a:t>
             </a:r>
             <a:endParaRPr lang="en-US" sz="4000" b="1" dirty="0">
               <a:latin typeface="Lato" panose="020F0502020204030203" pitchFamily="34" charset="0"/>
@@ -6665,17 +5815,6 @@
             <a:pPr algn="ctr" defTabSz="1828464">
               <a:defRPr/>
             </a:pPr>
-            <a:r>
-              <a:rPr lang="en-US" sz="6000" dirty="0" err="1">
-                <a:solidFill>
-                  <a:schemeClr val="tx2"/>
-                </a:solidFill>
-                <a:latin typeface="Lato" charset="0"/>
-                <a:ea typeface="Lato" charset="0"/>
-                <a:cs typeface="Lato" charset="0"/>
-              </a:rPr>
-              <a:t>Zukunft</a:t>
-            </a:r>
             <a:r>
               <a:rPr lang="en-US" sz="6000" dirty="0">
                 <a:solidFill>
@@ -6685,27 +5824,8 @@
                 <a:ea typeface="Lato" charset="0"/>
                 <a:cs typeface="Lato" charset="0"/>
               </a:rPr>
-              <a:t> und </a:t>
+              <a:t>Next Steps</a:t>
             </a:r>
-            <a:r>
-              <a:rPr lang="en-US" sz="6000" dirty="0" err="1">
-                <a:solidFill>
-                  <a:schemeClr val="tx2"/>
-                </a:solidFill>
-                <a:latin typeface="Lato" charset="0"/>
-                <a:ea typeface="Lato" charset="0"/>
-                <a:cs typeface="Lato" charset="0"/>
-              </a:rPr>
-              <a:t>Erweiterungsmöglichkeiten</a:t>
-            </a:r>
-            <a:endParaRPr lang="en-US" sz="6000" dirty="0">
-              <a:solidFill>
-                <a:schemeClr val="tx2"/>
-              </a:solidFill>
-              <a:latin typeface="Lato" charset="0"/>
-              <a:ea typeface="Lato" charset="0"/>
-              <a:cs typeface="Lato" charset="0"/>
-            </a:endParaRPr>
           </a:p>
         </p:txBody>
       </p:sp>

--- a/Presentation/Projektidee Präsentation_Entwurf_01.pptx
+++ b/Presentation/Projektidee Präsentation_Entwurf_01.pptx
@@ -2079,8 +2079,8 @@
         </p:nvSpPr>
         <p:spPr>
           <a:xfrm>
-            <a:off x="5740316" y="9137567"/>
-            <a:ext cx="12960273" cy="4616648"/>
+            <a:off x="5708688" y="9675741"/>
+            <a:ext cx="12960273" cy="923330"/>
           </a:xfrm>
           <a:prstGeom prst="rect">
             <a:avLst/>
@@ -2100,65 +2100,8 @@
                 <a:ea typeface="Lato Light" charset="0"/>
                 <a:cs typeface="Lato Light" charset="0"/>
               </a:rPr>
-              <a:t>“From now on, no one will search for a job.</a:t>
+              <a:t>“The future of job searching is about to change”</a:t>
             </a:r>
-          </a:p>
-          <a:p>
-            <a:pPr algn="ctr"/>
-            <a:r>
-              <a:rPr lang="en-US" sz="5400" i="1" dirty="0">
-                <a:latin typeface="Lato Light" charset="0"/>
-                <a:ea typeface="Lato Light" charset="0"/>
-                <a:cs typeface="Lato Light" charset="0"/>
-              </a:rPr>
-              <a:t>– but find it”</a:t>
-            </a:r>
-          </a:p>
-          <a:p>
-            <a:pPr algn="ctr"/>
-            <a:endParaRPr lang="en-US" sz="4400" i="1" dirty="0">
-              <a:latin typeface="Lato Light" charset="0"/>
-              <a:ea typeface="Lato Light" charset="0"/>
-              <a:cs typeface="Lato Light" charset="0"/>
-            </a:endParaRPr>
-          </a:p>
-          <a:p>
-            <a:pPr algn="ctr"/>
-            <a:r>
-              <a:rPr lang="en-US" sz="4400" i="1" dirty="0">
-                <a:latin typeface="Lato Light" charset="0"/>
-                <a:ea typeface="Lato Light" charset="0"/>
-                <a:cs typeface="Lato Light" charset="0"/>
-              </a:rPr>
-              <a:t>“</a:t>
-            </a:r>
-            <a:r>
-              <a:rPr lang="de" sz="4400" i="1" dirty="0">
-                <a:latin typeface="Lato Light" charset="0"/>
-                <a:ea typeface="Lato Light" charset="0"/>
-                <a:cs typeface="Lato Light" charset="0"/>
-              </a:rPr>
-              <a:t>Ab heute wird niemand mehr einen Job suchen</a:t>
-            </a:r>
-          </a:p>
-          <a:p>
-            <a:pPr algn="ctr"/>
-            <a:r>
-              <a:rPr lang="de" sz="4400" i="1" dirty="0">
-                <a:latin typeface="Lato Light" charset="0"/>
-                <a:ea typeface="Lato Light" charset="0"/>
-                <a:cs typeface="Lato Light" charset="0"/>
-              </a:rPr>
-              <a:t>– sondern Ihn finden”</a:t>
-            </a:r>
-          </a:p>
-          <a:p>
-            <a:pPr algn="ctr"/>
-            <a:endParaRPr lang="en-US" sz="5400" i="1" dirty="0">
-              <a:latin typeface="Lato Light" charset="0"/>
-              <a:ea typeface="Lato Light" charset="0"/>
-              <a:cs typeface="Lato Light" charset="0"/>
-            </a:endParaRPr>
           </a:p>
         </p:txBody>
       </p:sp>
@@ -2170,7 +2113,7 @@
         </p:nvSpPr>
         <p:spPr>
           <a:xfrm>
-            <a:off x="4101118" y="6274439"/>
+            <a:off x="4101118" y="6373829"/>
             <a:ext cx="2303836" cy="1015663"/>
           </a:xfrm>
           <a:prstGeom prst="rect">
@@ -2213,7 +2156,7 @@
         </p:nvSpPr>
         <p:spPr>
           <a:xfrm>
-            <a:off x="7934359" y="7890669"/>
+            <a:off x="7934359" y="7990059"/>
             <a:ext cx="8508932" cy="646331"/>
           </a:xfrm>
           <a:prstGeom prst="rect">
@@ -2269,7 +2212,7 @@
         </p:blipFill>
         <p:spPr>
           <a:xfrm>
-            <a:off x="3419709" y="2466462"/>
+            <a:off x="3419709" y="2565852"/>
             <a:ext cx="3507692" cy="3507692"/>
           </a:xfrm>
           <a:prstGeom prst="ellipse">
@@ -2320,7 +2263,7 @@
         </p:blipFill>
         <p:spPr>
           <a:xfrm>
-            <a:off x="7976993" y="2444693"/>
+            <a:off x="7976993" y="2544083"/>
             <a:ext cx="3507691" cy="3507691"/>
           </a:xfrm>
           <a:prstGeom prst="ellipse">
@@ -2371,7 +2314,7 @@
         </p:blipFill>
         <p:spPr>
           <a:xfrm>
-            <a:off x="12534275" y="2444692"/>
+            <a:off x="12534275" y="2544082"/>
             <a:ext cx="3529463" cy="3529463"/>
           </a:xfrm>
           <a:prstGeom prst="ellipse">
@@ -2422,7 +2365,7 @@
         </p:blipFill>
         <p:spPr>
           <a:xfrm>
-            <a:off x="17113329" y="2444692"/>
+            <a:off x="17113329" y="2544082"/>
             <a:ext cx="3529462" cy="3529462"/>
           </a:xfrm>
           <a:prstGeom prst="ellipse">
@@ -2459,7 +2402,7 @@
         </p:nvSpPr>
         <p:spPr>
           <a:xfrm>
-            <a:off x="8174894" y="6260401"/>
+            <a:off x="8174894" y="6359791"/>
             <a:ext cx="2956259" cy="1015663"/>
           </a:xfrm>
           <a:prstGeom prst="rect">
@@ -2510,7 +2453,7 @@
         </p:nvSpPr>
         <p:spPr>
           <a:xfrm>
-            <a:off x="12613756" y="6274439"/>
+            <a:off x="12613756" y="6373829"/>
             <a:ext cx="3449982" cy="1015663"/>
           </a:xfrm>
           <a:prstGeom prst="rect">
@@ -2561,7 +2504,7 @@
         </p:nvSpPr>
         <p:spPr>
           <a:xfrm>
-            <a:off x="18081532" y="6260401"/>
+            <a:off x="18081532" y="6359791"/>
             <a:ext cx="1752018" cy="1015663"/>
           </a:xfrm>
           <a:prstGeom prst="rect">

--- a/Presentation/Projektidee Präsentation_Entwurf_01.pptx
+++ b/Presentation/Projektidee Präsentation_Entwurf_01.pptx
@@ -541,13 +541,64 @@
           <a:p>
             <a:r>
               <a:rPr lang="de-CH" dirty="0"/>
-              <a:t>Willkommen</a:t>
-            </a:r>
-          </a:p>
-          <a:p>
+              <a:t>Who </a:t>
+            </a:r>
+            <a:r>
+              <a:rPr lang="de-CH" dirty="0" err="1"/>
+              <a:t>likes</a:t>
+            </a:r>
             <a:r>
               <a:rPr lang="de-CH" dirty="0"/>
-              <a:t>Die Geschichte hinter unserem Projekt</a:t>
+              <a:t> </a:t>
+            </a:r>
+            <a:r>
+              <a:rPr lang="de-CH" dirty="0" err="1"/>
+              <a:t>to</a:t>
+            </a:r>
+            <a:r>
+              <a:rPr lang="de-CH" dirty="0"/>
+              <a:t> </a:t>
+            </a:r>
+            <a:r>
+              <a:rPr lang="de-CH" dirty="0" err="1"/>
+              <a:t>search</a:t>
+            </a:r>
+            <a:r>
+              <a:rPr lang="de-CH" dirty="0"/>
+              <a:t> </a:t>
+            </a:r>
+            <a:r>
+              <a:rPr lang="de-CH" dirty="0" err="1"/>
+              <a:t>for</a:t>
+            </a:r>
+            <a:r>
+              <a:rPr lang="de-CH" dirty="0"/>
+              <a:t> a </a:t>
+            </a:r>
+            <a:r>
+              <a:rPr lang="de-CH" dirty="0" err="1"/>
+              <a:t>job</a:t>
+            </a:r>
+            <a:r>
+              <a:rPr lang="de-CH" dirty="0"/>
+              <a:t>?</a:t>
+            </a:r>
+          </a:p>
+          <a:p>
+            <a:endParaRPr lang="de-CH" dirty="0"/>
+          </a:p>
+          <a:p>
+            <a:r>
+              <a:rPr lang="de-CH" dirty="0" err="1"/>
+              <a:t>Its</a:t>
+            </a:r>
+            <a:r>
+              <a:rPr lang="de-CH" dirty="0"/>
+              <a:t> </a:t>
+            </a:r>
+            <a:r>
+              <a:rPr lang="de-CH" dirty="0" err="1"/>
+              <a:t>annoying</a:t>
             </a:r>
             <a:endParaRPr lang="de-DE" dirty="0"/>
           </a:p>
@@ -635,9 +686,74 @@
           <a:lstStyle/>
           <a:p>
             <a:r>
+              <a:rPr lang="de-CH" dirty="0" err="1"/>
+              <a:t>We</a:t>
+            </a:r>
+            <a:r>
               <a:rPr lang="de-CH" dirty="0"/>
-              <a:t>Jobsuchen ist immer anstrengend</a:t>
-            </a:r>
+              <a:t>, a </a:t>
+            </a:r>
+            <a:r>
+              <a:rPr lang="de-CH" dirty="0" err="1"/>
+              <a:t>team</a:t>
+            </a:r>
+            <a:r>
+              <a:rPr lang="de-CH" dirty="0"/>
+              <a:t> </a:t>
+            </a:r>
+            <a:r>
+              <a:rPr lang="de-CH" dirty="0" err="1"/>
+              <a:t>from</a:t>
+            </a:r>
+            <a:r>
+              <a:rPr lang="de-CH" dirty="0"/>
+              <a:t> </a:t>
+            </a:r>
+            <a:r>
+              <a:rPr lang="de-CH" dirty="0" err="1"/>
+              <a:t>zhaw</a:t>
+            </a:r>
+            <a:r>
+              <a:rPr lang="de-CH" dirty="0"/>
+              <a:t>, </a:t>
+            </a:r>
+            <a:r>
+              <a:rPr lang="de-CH" dirty="0" err="1"/>
+              <a:t>want</a:t>
+            </a:r>
+            <a:r>
+              <a:rPr lang="de-CH" dirty="0"/>
+              <a:t> </a:t>
+            </a:r>
+            <a:r>
+              <a:rPr lang="de-CH" dirty="0" err="1"/>
+              <a:t>to</a:t>
+            </a:r>
+            <a:r>
+              <a:rPr lang="de-CH" dirty="0"/>
+              <a:t> </a:t>
+            </a:r>
+            <a:r>
+              <a:rPr lang="de-CH" dirty="0" err="1"/>
+              <a:t>change</a:t>
+            </a:r>
+            <a:r>
+              <a:rPr lang="de-CH" dirty="0"/>
+              <a:t> </a:t>
+            </a:r>
+            <a:r>
+              <a:rPr lang="de-CH" dirty="0" err="1"/>
+              <a:t>the</a:t>
+            </a:r>
+            <a:r>
+              <a:rPr lang="de-CH" dirty="0"/>
+              <a:t> </a:t>
+            </a:r>
+            <a:r>
+              <a:rPr lang="de-CH" dirty="0" err="1"/>
+              <a:t>future</a:t>
+            </a:r>
+            <a:endParaRPr lang="de-CH" dirty="0"/>
           </a:p>
           <a:p>
             <a:endParaRPr lang="de-CH" dirty="0"/>
@@ -726,8 +842,24 @@
           <a:lstStyle/>
           <a:p>
             <a:r>
+              <a:rPr lang="de-CH" dirty="0" err="1"/>
+              <a:t>We</a:t>
+            </a:r>
+            <a:r>
               <a:rPr lang="de-CH" dirty="0"/>
-              <a:t>Wir präsentieren: BusinessMage</a:t>
+              <a:t> </a:t>
+            </a:r>
+            <a:r>
+              <a:rPr lang="de-CH" dirty="0" err="1"/>
+              <a:t>present</a:t>
+            </a:r>
+            <a:r>
+              <a:rPr lang="de-CH" dirty="0"/>
+              <a:t> </a:t>
+            </a:r>
+            <a:r>
+              <a:rPr lang="de-CH" dirty="0" err="1"/>
+              <a:t>Jobinator</a:t>
             </a:r>
             <a:endParaRPr lang="de-DE" dirty="0"/>
           </a:p>
@@ -823,7 +955,10 @@
               <a:buFontTx/>
               <a:buChar char="-"/>
             </a:pPr>
-            <a:endParaRPr lang="en-US" dirty="0"/>
+            <a:r>
+              <a:rPr lang="en-US" dirty="0"/>
+              <a:t>3 easy step to applicate yourself</a:t>
+            </a:r>
           </a:p>
         </p:txBody>
       </p:sp>
@@ -908,6 +1043,22 @@
           <a:bodyPr/>
           <a:lstStyle/>
           <a:p>
+            <a:r>
+              <a:rPr lang="de-DE" dirty="0"/>
+              <a:t>3 </a:t>
+            </a:r>
+            <a:r>
+              <a:rPr lang="de-DE" dirty="0" err="1"/>
+              <a:t>best</a:t>
+            </a:r>
+            <a:r>
+              <a:rPr lang="de-DE" dirty="0"/>
+              <a:t> </a:t>
+            </a:r>
+            <a:r>
+              <a:rPr lang="de-DE" dirty="0" err="1"/>
+              <a:t>reason</a:t>
+            </a:r>
             <a:endParaRPr lang="de-DE" dirty="0"/>
           </a:p>
         </p:txBody>
@@ -993,7 +1144,10 @@
           <a:bodyPr/>
           <a:lstStyle/>
           <a:p>
-            <a:endParaRPr lang="de-DE" dirty="0"/>
+            <a:r>
+              <a:rPr lang="de-DE" b="1" dirty="0"/>
+              <a:t>DEMO TIME</a:t>
+            </a:r>
           </a:p>
         </p:txBody>
       </p:sp>
@@ -1078,7 +1232,10 @@
           <a:bodyPr/>
           <a:lstStyle/>
           <a:p>
-            <a:endParaRPr lang="de-DE" dirty="0"/>
+            <a:r>
+              <a:rPr lang="de-DE" dirty="0"/>
+              <a:t>Future</a:t>
+            </a:r>
           </a:p>
         </p:txBody>
       </p:sp>
@@ -1976,21 +2133,43 @@
               </a:spcAft>
             </a:pPr>
             <a:r>
-              <a:rPr lang="en-US" sz="10700" dirty="0">
+              <a:rPr lang="en-US" sz="9900" dirty="0">
                 <a:solidFill>
                   <a:srgbClr val="FFFFFF"/>
                 </a:solidFill>
-                <a:latin typeface="+mj-lt"/>
+                <a:latin typeface="Andale Mono" panose="020B0509000000000004" pitchFamily="49" charset="0"/>
                 <a:ea typeface="+mj-ea"/>
                 <a:cs typeface="+mj-cs"/>
               </a:rPr>
-              <a:t>Presentation </a:t>
-            </a:r>
-            <a:endParaRPr lang="en-US" sz="10700" kern="1200" dirty="0">
+              <a:t>Hello, </a:t>
+            </a:r>
+            <a:r>
+              <a:rPr lang="en-US" sz="9900" dirty="0" err="1">
+                <a:solidFill>
+                  <a:srgbClr val="FFFFFF"/>
+                </a:solidFill>
+                <a:latin typeface="Andale Mono" panose="020B0509000000000004" pitchFamily="49" charset="0"/>
+                <a:ea typeface="+mj-ea"/>
+                <a:cs typeface="+mj-cs"/>
+              </a:rPr>
+              <a:t>WintiHack</a:t>
+            </a:r>
+            <a:r>
+              <a:rPr lang="en-US" sz="9900" dirty="0">
+                <a:solidFill>
+                  <a:srgbClr val="FFFFFF"/>
+                </a:solidFill>
+                <a:latin typeface="Andale Mono" panose="020B0509000000000004" pitchFamily="49" charset="0"/>
+                <a:ea typeface="+mj-ea"/>
+                <a:cs typeface="+mj-cs"/>
+              </a:rPr>
+              <a:t> 2019</a:t>
+            </a:r>
+            <a:endParaRPr lang="en-US" sz="9900" kern="1200" dirty="0">
               <a:solidFill>
                 <a:srgbClr val="FFFFFF"/>
               </a:solidFill>
-              <a:latin typeface="+mj-lt"/>
+              <a:latin typeface="Andale Mono" panose="020B0509000000000004" pitchFamily="49" charset="0"/>
               <a:ea typeface="+mj-ea"/>
               <a:cs typeface="+mj-cs"/>
             </a:endParaRPr>

--- a/Presentation/Projektidee Präsentation_Entwurf_01.pptx
+++ b/Presentation/Projektidee Präsentation_Entwurf_01.pptx
@@ -223,7 +223,7 @@
             <a:fld id="{EFC10EE1-B198-C942-8235-326C972CBB30}" type="datetimeFigureOut">
               <a:rPr lang="en-US" smtClean="0"/>
               <a:pPr/>
-              <a:t>4/6/19</a:t>
+              <a:t>4/7/19</a:t>
             </a:fld>
             <a:endParaRPr lang="en-US"/>
           </a:p>
@@ -3387,7 +3387,7 @@
                 <a:cs typeface="Lato Regular" charset="0"/>
                 <a:sym typeface="Wingdings" panose="05000000000000000000" pitchFamily="2" charset="2"/>
               </a:rPr>
-              <a:t>Jobseekers answer 10 to 20 questions about their dream job. </a:t>
+              <a:t>Jobseekers answer a few questions about their dream job. </a:t>
             </a:r>
             <a:r>
               <a:rPr lang="en-US" sz="2399" dirty="0" err="1">
